--- a/Present_100_font.pptx
+++ b/Present_100_font.pptx
@@ -21,15 +21,16 @@
     <p:sldId id="276" r:id="rId15"/>
     <p:sldId id="274" r:id="rId16"/>
     <p:sldId id="275" r:id="rId17"/>
-    <p:sldId id="263" r:id="rId18"/>
+    <p:sldId id="277" r:id="rId18"/>
+    <p:sldId id="263" r:id="rId19"/>
   </p:sldIdLst>
   <p:sldSz cx="9144000" cy="6858000" type="screen4x3"/>
   <p:notesSz cx="6858000" cy="9144000"/>
   <p:embeddedFontLst>
     <p:embeddedFont>
       <p:font typeface="Kunlasatri" panose="02000000000000000000" pitchFamily="2" charset="0"/>
-      <p:regular r:id="rId19"/>
-      <p:bold r:id="rId20"/>
+      <p:regular r:id="rId20"/>
+      <p:bold r:id="rId21"/>
     </p:embeddedFont>
   </p:embeddedFontLst>
   <p:defaultTextStyle>
@@ -5387,47 +5388,53 @@
                 <a:latin typeface="Kunlasatri" panose="02000000000000000000" pitchFamily="2" charset="0"/>
                 <a:cs typeface="Kunlasatri" panose="02000000000000000000" pitchFamily="2" charset="0"/>
               </a:rPr>
-              <a:t>	จาก</a:t>
+              <a:t>	</a:t>
             </a:r>
             <a:r>
               <a:rPr lang="th-TH" sz="2800" dirty="0">
                 <a:latin typeface="Kunlasatri" panose="02000000000000000000" pitchFamily="2" charset="0"/>
                 <a:cs typeface="Kunlasatri" panose="02000000000000000000" pitchFamily="2" charset="0"/>
               </a:rPr>
-              <a:t>ผลการจัดทำระบบสารสนเทศเพื่อการบูรณาการสาธารณสุข กรณีศึกษา</a:t>
-            </a:r>
-            <a:r>
-              <a:rPr lang="th-TH" sz="2800" b="1" dirty="0">
-                <a:latin typeface="Kunlasatri" panose="02000000000000000000" pitchFamily="2" charset="0"/>
-                <a:cs typeface="Kunlasatri" panose="02000000000000000000" pitchFamily="2" charset="0"/>
-              </a:rPr>
-              <a:t> </a:t>
-            </a:r>
+              <a:t>จากผลการจัดทำระบบสารสนเทศเพื่อการบูรณาการสาธารณสุข กรณีศึกษา สำนักงานสาธารณสุขจังหวัดปราจีนบุรี แบ่งการทำงานออกเป็น 2 ส่วน คือ </a:t>
+            </a:r>
+          </a:p>
+          <a:p>
+            <a:pPr marL="0" indent="0">
+              <a:buNone/>
+            </a:pPr>
             <a:r>
               <a:rPr lang="th-TH" sz="2800" dirty="0">
                 <a:latin typeface="Kunlasatri" panose="02000000000000000000" pitchFamily="2" charset="0"/>
                 <a:cs typeface="Kunlasatri" panose="02000000000000000000" pitchFamily="2" charset="0"/>
               </a:rPr>
-              <a:t>สำนักงานสาธารณสุขจังหวัดปราจีนบุรี ซึ่งงานในภาคการศึกษานี้ แบ่งการทำงานออกเป็น </a:t>
+              <a:t>	ส่วนที่ 1 ส่วนของ </a:t>
             </a:r>
             <a:r>
               <a:rPr lang="en-US" sz="2800" dirty="0">
                 <a:latin typeface="Kunlasatri" panose="02000000000000000000" pitchFamily="2" charset="0"/>
                 <a:cs typeface="Kunlasatri" panose="02000000000000000000" pitchFamily="2" charset="0"/>
               </a:rPr>
-              <a:t>2 </a:t>
+              <a:t>Web Application </a:t>
             </a:r>
             <a:r>
               <a:rPr lang="th-TH" sz="2800" dirty="0">
                 <a:latin typeface="Kunlasatri" panose="02000000000000000000" pitchFamily="2" charset="0"/>
                 <a:cs typeface="Kunlasatri" panose="02000000000000000000" pitchFamily="2" charset="0"/>
               </a:rPr>
-              <a:t>ส่วน คือ </a:t>
-            </a:r>
-            <a:endParaRPr lang="en-US" sz="2800" dirty="0">
-              <a:latin typeface="Kunlasatri" panose="02000000000000000000" pitchFamily="2" charset="0"/>
-              <a:cs typeface="Kunlasatri" panose="02000000000000000000" pitchFamily="2" charset="0"/>
-            </a:endParaRPr>
+              <a:t>โดยส่วนนี้จะเป็นการทำงานกับฐานข้อมูลที่มีทั้งหมดของหน่วยงาน การทำงานจะมีการเพิ่ม ลบ และแก้ไขตำแหน่งที่อยู่ของที่พักอาศัยของประชากรในพื้นที่ นอกจากนั้นแล้วยังมีการเพิ่ม และลบภาพที่พักอาศัยแล้วผู้ป่วยอีกด้วย โดยการทำงานกับฐานข้อมูลดังกล่าวจะมีการนำไปแสดงผลข้อมูลบนแผนที่ และนำไปวิเคราะห์สรุปผลข้อมูลเพื่อแสดงในรูปแบบข้อมูลในรูปแบบของแผนภูมิ</a:t>
+            </a:r>
+          </a:p>
+          <a:p>
+            <a:pPr marL="0" indent="0">
+              <a:buNone/>
+            </a:pPr>
+            <a:r>
+              <a:rPr lang="th-TH" sz="2800" dirty="0">
+                <a:latin typeface="Kunlasatri" panose="02000000000000000000" pitchFamily="2" charset="0"/>
+                <a:cs typeface="Kunlasatri" panose="02000000000000000000" pitchFamily="2" charset="0"/>
+              </a:rPr>
+              <a:t>	</a:t>
+            </a:r>
           </a:p>
           <a:p>
             <a:pPr marL="0" indent="0">
@@ -5553,77 +5560,71 @@
           <a:bodyPr/>
           <a:lstStyle/>
           <a:p>
+            <a:pPr marL="0" indent="0">
+              <a:buNone/>
+            </a:pPr>
+            <a:r>
+              <a:rPr lang="th-TH" dirty="0" smtClean="0">
+                <a:latin typeface="Kunlasatri" panose="02000000000000000000" pitchFamily="2" charset="0"/>
+                <a:cs typeface="Kunlasatri" panose="02000000000000000000" pitchFamily="2" charset="0"/>
+              </a:rPr>
+              <a:t>	ส่วน</a:t>
+            </a:r>
             <a:r>
               <a:rPr lang="th-TH" dirty="0">
                 <a:latin typeface="Kunlasatri" panose="02000000000000000000" pitchFamily="2" charset="0"/>
                 <a:cs typeface="Kunlasatri" panose="02000000000000000000" pitchFamily="2" charset="0"/>
               </a:rPr>
-              <a:t>ส่วนที่ </a:t>
+              <a:t>ที่ 2 ส่วนของ </a:t>
             </a:r>
             <a:r>
               <a:rPr lang="en-US" dirty="0">
                 <a:latin typeface="Kunlasatri" panose="02000000000000000000" pitchFamily="2" charset="0"/>
                 <a:cs typeface="Kunlasatri" panose="02000000000000000000" pitchFamily="2" charset="0"/>
               </a:rPr>
-              <a:t>1 </a:t>
+              <a:t>Mobile Application </a:t>
+            </a:r>
+            <a:r>
+              <a:rPr lang="th-TH" dirty="0" smtClean="0">
+                <a:latin typeface="Kunlasatri" panose="02000000000000000000" pitchFamily="2" charset="0"/>
+                <a:cs typeface="Kunlasatri" panose="02000000000000000000" pitchFamily="2" charset="0"/>
+              </a:rPr>
+              <a:t>โดย</a:t>
             </a:r>
             <a:r>
               <a:rPr lang="th-TH" dirty="0">
                 <a:latin typeface="Kunlasatri" panose="02000000000000000000" pitchFamily="2" charset="0"/>
                 <a:cs typeface="Kunlasatri" panose="02000000000000000000" pitchFamily="2" charset="0"/>
               </a:rPr>
-              <a:t>การลงชื่อเข้าสู่ระบบ โดยผู้ใช้งานจะต้องลงชื่อเข้าสู่ระบบทุกครั้ง เพื่อความปลอดภัยของข้อมูล เพราะข้อมูลที่จัดทำในระบบนั้น มีความสำคัญเป็นอย่างมาก เนื่องจากเป็นข้อมูลส่วนตัวของบุคคลแต่ละคน ดังนั้นความปลอดภัยในการเข้าถึงข้อมูลจึงเป็นเรื่องสำคัญ</a:t>
-            </a:r>
-            <a:r>
-              <a:rPr lang="th-TH" dirty="0" smtClean="0">
-                <a:latin typeface="Kunlasatri" panose="02000000000000000000" pitchFamily="2" charset="0"/>
-                <a:cs typeface="Kunlasatri" panose="02000000000000000000" pitchFamily="2" charset="0"/>
-              </a:rPr>
-              <a:t>มาก</a:t>
-            </a:r>
-          </a:p>
-          <a:p>
+              <a:t>ส่วนนี้จะเป็นการทำงานกับฐานข้อมูลเพียงบางส่วนของหน่วยงาน โดยจะมีการเลือกข้อมูลเพื่อนำมาพักไว้บนฐานข้อมูลของโทรศัพท์ ซึ่งจะมีการทำงานต่างๆเช่นเดียวกับ </a:t>
+            </a:r>
+            <a:r>
+              <a:rPr lang="en-US" dirty="0">
+                <a:latin typeface="Kunlasatri" panose="02000000000000000000" pitchFamily="2" charset="0"/>
+                <a:cs typeface="Kunlasatri" panose="02000000000000000000" pitchFamily="2" charset="0"/>
+              </a:rPr>
+              <a:t>Web Application </a:t>
+            </a:r>
             <a:r>
               <a:rPr lang="th-TH" dirty="0">
                 <a:latin typeface="Kunlasatri" panose="02000000000000000000" pitchFamily="2" charset="0"/>
                 <a:cs typeface="Kunlasatri" panose="02000000000000000000" pitchFamily="2" charset="0"/>
               </a:rPr>
-              <a:t>ส่วนที่ </a:t>
+              <a:t>แต่จะเป็นการทำงานเพียงแค่ข้อมูลที่เลือกมาเท่านั้น เมื่อมีการทำงานเสร็จสิ้น จะต้องนำข้อมูลส่งออกมายัง </a:t>
             </a:r>
             <a:r>
               <a:rPr lang="en-US" dirty="0">
                 <a:latin typeface="Kunlasatri" panose="02000000000000000000" pitchFamily="2" charset="0"/>
                 <a:cs typeface="Kunlasatri" panose="02000000000000000000" pitchFamily="2" charset="0"/>
               </a:rPr>
-              <a:t>2 </a:t>
+              <a:t>Server </a:t>
             </a:r>
             <a:r>
               <a:rPr lang="th-TH" dirty="0">
                 <a:latin typeface="Kunlasatri" panose="02000000000000000000" pitchFamily="2" charset="0"/>
                 <a:cs typeface="Kunlasatri" panose="02000000000000000000" pitchFamily="2" charset="0"/>
               </a:rPr>
-              <a:t>การเพิ่ม ลบ และแก้ไขมูล โดยผู้ใช้งานจะต้องผ่านการลงชื่อเข้าสู่ระบบในส่วนที่ </a:t>
-            </a:r>
-            <a:r>
-              <a:rPr lang="en-US" dirty="0">
-                <a:latin typeface="Kunlasatri" panose="02000000000000000000" pitchFamily="2" charset="0"/>
-                <a:cs typeface="Kunlasatri" panose="02000000000000000000" pitchFamily="2" charset="0"/>
-              </a:rPr>
-              <a:t>1 </a:t>
-            </a:r>
-            <a:r>
-              <a:rPr lang="th-TH" dirty="0">
-                <a:latin typeface="Kunlasatri" panose="02000000000000000000" pitchFamily="2" charset="0"/>
-                <a:cs typeface="Kunlasatri" panose="02000000000000000000" pitchFamily="2" charset="0"/>
-              </a:rPr>
-              <a:t>มาก่อน เพราะการเพิ่ม ลบ และแก้ไขข้อมูลแต่ละข้อมูลนั้น มีความสำคัญต่อตัวบุลคล ดังนั้นงานในส่วนนี้จึงมีการเก็บข้อมูลผู้ใช้งานควบคู่ไปกับการจัดการข้อมูล</a:t>
-            </a:r>
-            <a:r>
-              <a:rPr lang="th-TH" dirty="0" smtClean="0">
-                <a:latin typeface="Kunlasatri" panose="02000000000000000000" pitchFamily="2" charset="0"/>
-                <a:cs typeface="Kunlasatri" panose="02000000000000000000" pitchFamily="2" charset="0"/>
-              </a:rPr>
-              <a:t>ด้วย</a:t>
+              <a:t>เพื่อบันทึกผลข้อมูล </a:t>
             </a:r>
             <a:r>
               <a:rPr lang="th-TH" dirty="0">
@@ -5666,6 +5667,158 @@
 </file>
 
 <file path=ppt/slides/slide17.xml><?xml version="1.0" encoding="utf-8"?>
+<p:sld xmlns:a="http://schemas.openxmlformats.org/drawingml/2006/main" xmlns:r="http://schemas.openxmlformats.org/officeDocument/2006/relationships" xmlns:p="http://schemas.openxmlformats.org/presentationml/2006/main">
+  <p:cSld>
+    <p:spTree>
+      <p:nvGrpSpPr>
+        <p:cNvPr id="1" name=""/>
+        <p:cNvGrpSpPr/>
+        <p:nvPr/>
+      </p:nvGrpSpPr>
+      <p:grpSpPr>
+        <a:xfrm>
+          <a:off x="0" y="0"/>
+          <a:ext cx="0" cy="0"/>
+          <a:chOff x="0" y="0"/>
+          <a:chExt cx="0" cy="0"/>
+        </a:xfrm>
+      </p:grpSpPr>
+      <p:sp>
+        <p:nvSpPr>
+          <p:cNvPr id="2" name="Title 1"/>
+          <p:cNvSpPr>
+            <a:spLocks noGrp="1"/>
+          </p:cNvSpPr>
+          <p:nvPr>
+            <p:ph type="title"/>
+          </p:nvPr>
+        </p:nvSpPr>
+        <p:spPr/>
+        <p:txBody>
+          <a:bodyPr/>
+          <a:lstStyle/>
+          <a:p>
+            <a:r>
+              <a:rPr lang="th-TH" dirty="0" smtClean="0">
+                <a:latin typeface="Kunlasatri" panose="02000000000000000000" pitchFamily="2" charset="0"/>
+                <a:cs typeface="Kunlasatri" panose="02000000000000000000" pitchFamily="2" charset="0"/>
+              </a:rPr>
+              <a:t>ข้อเสนอแนะ</a:t>
+            </a:r>
+            <a:endParaRPr lang="en-US" sz="8800" dirty="0">
+              <a:latin typeface="Kunlasatri" panose="02000000000000000000" pitchFamily="2" charset="0"/>
+              <a:cs typeface="Kunlasatri" panose="02000000000000000000" pitchFamily="2" charset="0"/>
+            </a:endParaRPr>
+          </a:p>
+        </p:txBody>
+      </p:sp>
+      <p:sp>
+        <p:nvSpPr>
+          <p:cNvPr id="3" name="Content Placeholder 2"/>
+          <p:cNvSpPr>
+            <a:spLocks noGrp="1"/>
+          </p:cNvSpPr>
+          <p:nvPr>
+            <p:ph idx="1"/>
+          </p:nvPr>
+        </p:nvSpPr>
+        <p:spPr>
+          <a:xfrm>
+            <a:off x="467544" y="1556792"/>
+            <a:ext cx="8229600" cy="4525963"/>
+          </a:xfrm>
+        </p:spPr>
+        <p:txBody>
+          <a:bodyPr/>
+          <a:lstStyle/>
+          <a:p>
+            <a:pPr marL="0" indent="0">
+              <a:buNone/>
+            </a:pPr>
+            <a:r>
+              <a:rPr lang="th-TH" dirty="0">
+                <a:latin typeface="Kunlasatri" panose="02000000000000000000" pitchFamily="2" charset="0"/>
+                <a:cs typeface="Kunlasatri" panose="02000000000000000000" pitchFamily="2" charset="0"/>
+              </a:rPr>
+              <a:t>	1.   การเข้าใช้งานบนเว็บแอพพลิเคชั่นและโมบายแอพพลิเคชั่นจะต้องเชื่อมต่อกับอินเตอร์เน็ตทุกครั้ง เพื่อให้มีการแสดงผลข้อมูลที่ครบถ้วนและถูกต้อง</a:t>
+            </a:r>
+            <a:endParaRPr lang="th-TH" sz="4000" dirty="0">
+              <a:latin typeface="Kunlasatri" panose="02000000000000000000" pitchFamily="2" charset="0"/>
+              <a:cs typeface="Kunlasatri" panose="02000000000000000000" pitchFamily="2" charset="0"/>
+            </a:endParaRPr>
+          </a:p>
+          <a:p>
+            <a:pPr marL="0" indent="0">
+              <a:buNone/>
+            </a:pPr>
+            <a:r>
+              <a:rPr lang="th-TH" dirty="0">
+                <a:latin typeface="Kunlasatri" panose="02000000000000000000" pitchFamily="2" charset="0"/>
+                <a:cs typeface="Kunlasatri" panose="02000000000000000000" pitchFamily="2" charset="0"/>
+              </a:rPr>
+              <a:t>	2.   การบันทึกข้อมูลเป็น </a:t>
+            </a:r>
+            <a:r>
+              <a:rPr lang="en-US" dirty="0">
+                <a:latin typeface="Kunlasatri" panose="02000000000000000000" pitchFamily="2" charset="0"/>
+                <a:cs typeface="Kunlasatri" panose="02000000000000000000" pitchFamily="2" charset="0"/>
+              </a:rPr>
+              <a:t>PDF </a:t>
+            </a:r>
+            <a:r>
+              <a:rPr lang="th-TH" dirty="0">
+                <a:latin typeface="Kunlasatri" panose="02000000000000000000" pitchFamily="2" charset="0"/>
+                <a:cs typeface="Kunlasatri" panose="02000000000000000000" pitchFamily="2" charset="0"/>
+              </a:rPr>
+              <a:t>หรือพิมพ์ข้อมูล ควรใช้ </a:t>
+            </a:r>
+            <a:r>
+              <a:rPr lang="en-US" dirty="0">
+                <a:latin typeface="Kunlasatri" panose="02000000000000000000" pitchFamily="2" charset="0"/>
+                <a:cs typeface="Kunlasatri" panose="02000000000000000000" pitchFamily="2" charset="0"/>
+              </a:rPr>
+              <a:t>web browser </a:t>
+            </a:r>
+            <a:r>
+              <a:rPr lang="th-TH" dirty="0">
+                <a:latin typeface="Kunlasatri" panose="02000000000000000000" pitchFamily="2" charset="0"/>
+                <a:cs typeface="Kunlasatri" panose="02000000000000000000" pitchFamily="2" charset="0"/>
+              </a:rPr>
+              <a:t>ของ </a:t>
+            </a:r>
+            <a:r>
+              <a:rPr lang="en-US" dirty="0">
+                <a:latin typeface="Kunlasatri" panose="02000000000000000000" pitchFamily="2" charset="0"/>
+                <a:cs typeface="Kunlasatri" panose="02000000000000000000" pitchFamily="2" charset="0"/>
+              </a:rPr>
+              <a:t>Google Chrome</a:t>
+            </a:r>
+          </a:p>
+          <a:p>
+            <a:pPr marL="0" indent="0">
+              <a:buNone/>
+            </a:pPr>
+            <a:endParaRPr lang="en-US" dirty="0">
+              <a:latin typeface="Kunlasatri" panose="02000000000000000000" pitchFamily="2" charset="0"/>
+              <a:cs typeface="Kunlasatri" panose="02000000000000000000" pitchFamily="2" charset="0"/>
+            </a:endParaRPr>
+          </a:p>
+        </p:txBody>
+      </p:sp>
+    </p:spTree>
+    <p:extLst>
+      <p:ext uri="{BB962C8B-B14F-4D97-AF65-F5344CB8AC3E}">
+        <p14:creationId xmlns:p14="http://schemas.microsoft.com/office/powerpoint/2010/main" val="458926525"/>
+      </p:ext>
+    </p:extLst>
+  </p:cSld>
+  <p:clrMapOvr>
+    <a:masterClrMapping/>
+  </p:clrMapOvr>
+</p:sld>
+</file>
+
+<file path=ppt/slides/slide18.xml><?xml version="1.0" encoding="utf-8"?>
 <p:sld xmlns:a="http://schemas.openxmlformats.org/drawingml/2006/main" xmlns:r="http://schemas.openxmlformats.org/officeDocument/2006/relationships" xmlns:p="http://schemas.openxmlformats.org/presentationml/2006/main">
   <p:cSld>
     <p:spTree>
